--- a/Reserva d'equipaments municipals Projecte Intermodular.pptx
+++ b/Reserva d'equipaments municipals Projecte Intermodular.pptx
@@ -49,7 +49,7 @@
         <p:spPr>
           <a:xfrm>
             <a:off x="504000" y="561600"/>
-            <a:ext cx="9069480" cy="274680"/>
+            <a:ext cx="9068760" cy="274680"/>
           </a:xfrm>
           <a:prstGeom prst="rect">
             <a:avLst/>
@@ -108,7 +108,7 @@
         <p:spPr>
           <a:xfrm>
             <a:off x="3447360" y="5165280"/>
-            <a:ext cx="3192840" cy="388440"/>
+            <a:ext cx="3192120" cy="387720"/>
           </a:xfrm>
           <a:prstGeom prst="rect">
             <a:avLst/>
@@ -160,7 +160,7 @@
                 <a:uFillTx/>
                 <a:latin typeface="Times New Roman"/>
               </a:rPr>
-              <a:t>&lt;pie de página&gt;</a:t>
+              <a:t> </a:t>
             </a:r>
             <a:endParaRPr b="0" lang="es-ES" sz="1400" strike="noStrike" u="none">
               <a:solidFill>
@@ -186,7 +186,7 @@
         <p:spPr>
           <a:xfrm>
             <a:off x="7227360" y="5165280"/>
-            <a:ext cx="2346120" cy="388440"/>
+            <a:ext cx="2345400" cy="387720"/>
           </a:xfrm>
           <a:prstGeom prst="rect">
             <a:avLst/>
@@ -229,7 +229,7 @@
                 <a:tab algn="l" pos="0"/>
               </a:tabLst>
             </a:pPr>
-            <a:fld id="{AE8FA5C8-1F17-48CD-982D-89C30B93AAC7}" type="slidenum">
+            <a:fld id="{7BDF3867-A5E8-419B-9092-E7EA4D835E9D}" type="slidenum">
               <a:rPr b="0" lang="es-ES" sz="1400" strike="noStrike" u="none">
                 <a:solidFill>
                   <a:srgbClr val="000000"/>
@@ -238,7 +238,7 @@
                 <a:uFillTx/>
                 <a:latin typeface="Times New Roman"/>
               </a:rPr>
-              <a:t>&lt;número&gt;</a:t>
+              <a:t>5</a:t>
             </a:fld>
             <a:endParaRPr b="0" lang="es-ES" sz="1400" strike="noStrike" u="none">
               <a:solidFill>
@@ -264,7 +264,7 @@
         <p:spPr>
           <a:xfrm>
             <a:off x="504000" y="5165280"/>
-            <a:ext cx="2346120" cy="388440"/>
+            <a:ext cx="2345400" cy="387720"/>
           </a:xfrm>
           <a:prstGeom prst="rect">
             <a:avLst/>
@@ -316,7 +316,7 @@
                 <a:uFillTx/>
                 <a:latin typeface="Times New Roman"/>
               </a:rPr>
-              <a:t>&lt;fecha/hora&gt;</a:t>
+              <a:t> </a:t>
             </a:r>
             <a:endParaRPr b="0" lang="es-ES" sz="1400" strike="noStrike" u="none">
               <a:solidFill>
@@ -342,7 +342,7 @@
         <p:spPr>
           <a:xfrm>
             <a:off x="504000" y="1326600"/>
-            <a:ext cx="9070200" cy="3286800"/>
+            <a:ext cx="9069480" cy="3286080"/>
           </a:xfrm>
           <a:prstGeom prst="rect">
             <a:avLst/>
@@ -638,7 +638,7 @@
         <p:spPr>
           <a:xfrm>
             <a:off x="504000" y="561600"/>
-            <a:ext cx="9069480" cy="274680"/>
+            <a:ext cx="9068760" cy="274680"/>
           </a:xfrm>
           <a:prstGeom prst="rect">
             <a:avLst/>
@@ -697,7 +697,7 @@
         <p:spPr>
           <a:xfrm>
             <a:off x="504000" y="1326600"/>
-            <a:ext cx="9069480" cy="3286080"/>
+            <a:ext cx="9068760" cy="3285360"/>
           </a:xfrm>
           <a:prstGeom prst="rect">
             <a:avLst/>
@@ -971,7 +971,7 @@
         <p:spPr>
           <a:xfrm>
             <a:off x="3447360" y="5165280"/>
-            <a:ext cx="3192840" cy="388440"/>
+            <a:ext cx="3192120" cy="387720"/>
           </a:xfrm>
           <a:prstGeom prst="rect">
             <a:avLst/>
@@ -1049,7 +1049,7 @@
         <p:spPr>
           <a:xfrm>
             <a:off x="7227360" y="5165280"/>
-            <a:ext cx="2346120" cy="388440"/>
+            <a:ext cx="2345400" cy="387720"/>
           </a:xfrm>
           <a:prstGeom prst="rect">
             <a:avLst/>
@@ -1092,7 +1092,7 @@
                 <a:tab algn="l" pos="0"/>
               </a:tabLst>
             </a:pPr>
-            <a:fld id="{7B7F177A-F8C9-4D37-AD3B-1568B3C63553}" type="slidenum">
+            <a:fld id="{614FCC7F-4256-4E36-95DE-51C13D56B162}" type="slidenum">
               <a:rPr b="0" lang="es-ES" sz="1400" strike="noStrike" u="none">
                 <a:solidFill>
                   <a:srgbClr val="000000"/>
@@ -1127,7 +1127,7 @@
         <p:spPr>
           <a:xfrm>
             <a:off x="504000" y="5165280"/>
-            <a:ext cx="2346120" cy="388440"/>
+            <a:ext cx="2345400" cy="387720"/>
           </a:xfrm>
           <a:prstGeom prst="rect">
             <a:avLst/>
@@ -1253,8 +1253,8 @@
         </p:nvSpPr>
         <p:spPr>
           <a:xfrm>
-            <a:off x="504000" y="223920"/>
-            <a:ext cx="9069480" cy="948600"/>
+            <a:off x="504000" y="223200"/>
+            <a:ext cx="9068760" cy="949320"/>
           </a:xfrm>
           <a:prstGeom prst="rect">
             <a:avLst/>
@@ -1312,8 +1312,8 @@
         </p:nvSpPr>
         <p:spPr>
           <a:xfrm>
-            <a:off x="504000" y="1324440"/>
-            <a:ext cx="9069480" cy="3290400"/>
+            <a:off x="504000" y="1323720"/>
+            <a:ext cx="9068760" cy="3291120"/>
           </a:xfrm>
           <a:prstGeom prst="rect">
             <a:avLst/>
@@ -1538,7 +1538,7 @@
         <p:spPr>
           <a:xfrm>
             <a:off x="4320000" y="3600000"/>
-            <a:ext cx="1438560" cy="1438560"/>
+            <a:ext cx="1437840" cy="1437840"/>
           </a:xfrm>
           <a:prstGeom prst="rect">
             <a:avLst/>
@@ -1591,8 +1591,8 @@
         </p:nvSpPr>
         <p:spPr>
           <a:xfrm>
-            <a:off x="504000" y="223920"/>
-            <a:ext cx="9069480" cy="948600"/>
+            <a:off x="504000" y="223200"/>
+            <a:ext cx="9068760" cy="949320"/>
           </a:xfrm>
           <a:prstGeom prst="rect">
             <a:avLst/>
@@ -1651,7 +1651,7 @@
         <p:spPr>
           <a:xfrm>
             <a:off x="469800" y="1213200"/>
-            <a:ext cx="9069480" cy="3286080"/>
+            <a:ext cx="9068760" cy="3285360"/>
           </a:xfrm>
           <a:prstGeom prst="rect">
             <a:avLst/>
@@ -1941,7 +1941,7 @@
         <p:spPr>
           <a:xfrm>
             <a:off x="3970800" y="2170800"/>
-            <a:ext cx="1968480" cy="1968480"/>
+            <a:ext cx="1967760" cy="1967760"/>
           </a:xfrm>
           <a:prstGeom prst="rect">
             <a:avLst/>
@@ -1994,8 +1994,8 @@
         </p:nvSpPr>
         <p:spPr>
           <a:xfrm>
-            <a:off x="504000" y="223920"/>
-            <a:ext cx="9069480" cy="948600"/>
+            <a:off x="504000" y="223200"/>
+            <a:ext cx="9068760" cy="949320"/>
           </a:xfrm>
           <a:prstGeom prst="rect">
             <a:avLst/>
@@ -2041,279 +2041,30 @@
           </a:p>
         </p:txBody>
       </p:sp>
-      <p:sp>
-        <p:nvSpPr>
-          <p:cNvPr id="17" name="PlaceHolder 2"/>
-          <p:cNvSpPr>
-            <a:spLocks noGrp="1"/>
-          </p:cNvSpPr>
-          <p:nvPr>
-            <p:ph/>
-          </p:nvPr>
-        </p:nvSpPr>
-        <p:spPr>
-          <a:xfrm>
-            <a:off x="504000" y="1326600"/>
-            <a:ext cx="9069480" cy="3286080"/>
-          </a:xfrm>
-          <a:prstGeom prst="rect">
-            <a:avLst/>
-          </a:prstGeom>
-          <a:noFill/>
-          <a:ln w="0">
-            <a:noFill/>
-          </a:ln>
-        </p:spPr>
-        <p:txBody>
-          <a:bodyPr lIns="0" rIns="0" tIns="0" bIns="0" anchor="t">
-            <a:normAutofit lnSpcReduction="9999"/>
-          </a:bodyPr>
-          <a:p>
-            <a:pPr marL="432000" indent="0">
-              <a:lnSpc>
-                <a:spcPct val="100000"/>
-              </a:lnSpc>
-              <a:spcBef>
-                <a:spcPts val="1417"/>
-              </a:spcBef>
-              <a:buNone/>
-              <a:tabLst>
-                <a:tab algn="l" pos="0"/>
-              </a:tabLst>
-            </a:pPr>
-            <a:endParaRPr b="0" lang="es-ES" sz="2200" strike="noStrike" u="none">
-              <a:solidFill>
-                <a:srgbClr val="000000"/>
-              </a:solidFill>
-              <a:effectLst/>
-              <a:uFillTx/>
-              <a:latin typeface="Arial"/>
-            </a:endParaRPr>
-          </a:p>
-          <a:p>
-            <a:pPr marL="432000" indent="-324000">
-              <a:lnSpc>
-                <a:spcPct val="100000"/>
-              </a:lnSpc>
-              <a:spcBef>
-                <a:spcPts val="1417"/>
-              </a:spcBef>
-              <a:buClr>
-                <a:srgbClr val="000000"/>
-              </a:buClr>
-              <a:buFont typeface="OpenSymbol"/>
-              <a:buAutoNum type="arabicParenR"/>
-              <a:tabLst>
-                <a:tab algn="l" pos="0"/>
-              </a:tabLst>
-            </a:pPr>
-            <a:r>
-              <a:rPr b="0" lang="es-ES" sz="2200" strike="noStrike" u="none">
-                <a:solidFill>
-                  <a:srgbClr val="000000"/>
-                </a:solidFill>
-                <a:effectLst/>
-                <a:uFillTx/>
-                <a:latin typeface="Times New Roman"/>
-              </a:rPr>
-              <a:t>HTML.</a:t>
-            </a:r>
-            <a:endParaRPr b="0" lang="es-ES" sz="2200" strike="noStrike" u="none">
-              <a:solidFill>
-                <a:srgbClr val="000000"/>
-              </a:solidFill>
-              <a:effectLst/>
-              <a:uFillTx/>
-              <a:latin typeface="Arial"/>
-            </a:endParaRPr>
-          </a:p>
-          <a:p>
-            <a:pPr marL="432000" indent="-324000">
-              <a:lnSpc>
-                <a:spcPct val="100000"/>
-              </a:lnSpc>
-              <a:spcBef>
-                <a:spcPts val="1417"/>
-              </a:spcBef>
-              <a:buClr>
-                <a:srgbClr val="000000"/>
-              </a:buClr>
-              <a:buFont typeface="OpenSymbol"/>
-              <a:buAutoNum type="arabicParenR"/>
-              <a:tabLst>
-                <a:tab algn="l" pos="0"/>
-              </a:tabLst>
-            </a:pPr>
-            <a:r>
-              <a:rPr b="0" lang="es-ES" sz="2200" strike="noStrike" u="none">
-                <a:solidFill>
-                  <a:srgbClr val="000000"/>
-                </a:solidFill>
-                <a:effectLst/>
-                <a:uFillTx/>
-                <a:latin typeface="Times New Roman"/>
-              </a:rPr>
-              <a:t>CSS.</a:t>
-            </a:r>
-            <a:endParaRPr b="0" lang="es-ES" sz="2200" strike="noStrike" u="none">
-              <a:solidFill>
-                <a:srgbClr val="000000"/>
-              </a:solidFill>
-              <a:effectLst/>
-              <a:uFillTx/>
-              <a:latin typeface="Arial"/>
-            </a:endParaRPr>
-          </a:p>
-          <a:p>
-            <a:pPr marL="432000" indent="-324000">
-              <a:lnSpc>
-                <a:spcPct val="100000"/>
-              </a:lnSpc>
-              <a:spcBef>
-                <a:spcPts val="1417"/>
-              </a:spcBef>
-              <a:buClr>
-                <a:srgbClr val="000000"/>
-              </a:buClr>
-              <a:buFont typeface="OpenSymbol"/>
-              <a:buAutoNum type="arabicParenR"/>
-              <a:tabLst>
-                <a:tab algn="l" pos="0"/>
-              </a:tabLst>
-            </a:pPr>
-            <a:r>
-              <a:rPr b="0" lang="es-ES" sz="2200" strike="noStrike" u="none">
-                <a:solidFill>
-                  <a:srgbClr val="000000"/>
-                </a:solidFill>
-                <a:effectLst/>
-                <a:uFillTx/>
-                <a:latin typeface="Times New Roman"/>
-              </a:rPr>
-              <a:t>Javascript.</a:t>
-            </a:r>
-            <a:endParaRPr b="0" lang="es-ES" sz="2200" strike="noStrike" u="none">
-              <a:solidFill>
-                <a:srgbClr val="000000"/>
-              </a:solidFill>
-              <a:effectLst/>
-              <a:uFillTx/>
-              <a:latin typeface="Arial"/>
-            </a:endParaRPr>
-          </a:p>
-          <a:p>
-            <a:pPr marL="432000" indent="-324000">
-              <a:lnSpc>
-                <a:spcPct val="100000"/>
-              </a:lnSpc>
-              <a:spcBef>
-                <a:spcPts val="1417"/>
-              </a:spcBef>
-              <a:buClr>
-                <a:srgbClr val="000000"/>
-              </a:buClr>
-              <a:buFont typeface="OpenSymbol"/>
-              <a:buAutoNum type="arabicParenR"/>
-              <a:tabLst>
-                <a:tab algn="l" pos="0"/>
-              </a:tabLst>
-            </a:pPr>
-            <a:r>
-              <a:rPr b="0" lang="es-ES" sz="2200" strike="noStrike" u="none">
-                <a:solidFill>
-                  <a:srgbClr val="000000"/>
-                </a:solidFill>
-                <a:effectLst/>
-                <a:uFillTx/>
-                <a:latin typeface="Times New Roman"/>
-              </a:rPr>
-              <a:t>Visual Studio Code.</a:t>
-            </a:r>
-            <a:endParaRPr b="0" lang="es-ES" sz="2200" strike="noStrike" u="none">
-              <a:solidFill>
-                <a:srgbClr val="000000"/>
-              </a:solidFill>
-              <a:effectLst/>
-              <a:uFillTx/>
-              <a:latin typeface="Arial"/>
-            </a:endParaRPr>
-          </a:p>
-          <a:p>
-            <a:pPr marL="432000" indent="-324000">
-              <a:lnSpc>
-                <a:spcPct val="100000"/>
-              </a:lnSpc>
-              <a:spcBef>
-                <a:spcPts val="1417"/>
-              </a:spcBef>
-              <a:buClr>
-                <a:srgbClr val="000000"/>
-              </a:buClr>
-              <a:buFont typeface="OpenSymbol"/>
-              <a:buAutoNum type="arabicParenR"/>
-              <a:tabLst>
-                <a:tab algn="l" pos="0"/>
-              </a:tabLst>
-            </a:pPr>
-            <a:r>
-              <a:rPr b="0" lang="es-ES" sz="2200" strike="noStrike" u="none">
-                <a:solidFill>
-                  <a:srgbClr val="000000"/>
-                </a:solidFill>
-                <a:effectLst/>
-                <a:uFillTx/>
-                <a:latin typeface="Times New Roman"/>
-              </a:rPr>
-              <a:t>GitHub.</a:t>
-            </a:r>
-            <a:endParaRPr b="0" lang="es-ES" sz="2200" strike="noStrike" u="none">
-              <a:solidFill>
-                <a:srgbClr val="000000"/>
-              </a:solidFill>
-              <a:effectLst/>
-              <a:uFillTx/>
-              <a:latin typeface="Arial"/>
-            </a:endParaRPr>
-          </a:p>
-          <a:p>
-            <a:pPr marL="432000" indent="-324000">
-              <a:lnSpc>
-                <a:spcPct val="100000"/>
-              </a:lnSpc>
-              <a:spcBef>
-                <a:spcPts val="1417"/>
-              </a:spcBef>
-              <a:buClr>
-                <a:srgbClr val="000000"/>
-              </a:buClr>
-              <a:buFont typeface="OpenSymbol"/>
-              <a:buAutoNum type="arabicParenR"/>
-              <a:tabLst>
-                <a:tab algn="l" pos="0"/>
-              </a:tabLst>
-            </a:pPr>
-            <a:r>
-              <a:rPr b="0" lang="es-ES" sz="2200" strike="noStrike" u="none">
-                <a:solidFill>
-                  <a:srgbClr val="000000"/>
-                </a:solidFill>
-                <a:effectLst/>
-                <a:uFillTx/>
-                <a:latin typeface="Times New Roman"/>
-              </a:rPr>
-              <a:t>Draw.io.</a:t>
-            </a:r>
-            <a:endParaRPr b="0" lang="es-ES" sz="2200" strike="noStrike" u="none">
-              <a:solidFill>
-                <a:srgbClr val="000000"/>
-              </a:solidFill>
-              <a:effectLst/>
-              <a:uFillTx/>
-              <a:latin typeface="Arial"/>
-            </a:endParaRPr>
-          </a:p>
-        </p:txBody>
-      </p:sp>
+      <p:pic>
+        <p:nvPicPr>
+          <p:cNvPr id="17" name="" descr=""/>
+          <p:cNvPicPr/>
+          <p:nvPr/>
+        </p:nvPicPr>
+        <p:blipFill>
+          <a:blip r:embed="rId1"/>
+          <a:stretch/>
+        </p:blipFill>
+        <p:spPr>
+          <a:xfrm>
+            <a:off x="720000" y="1172520"/>
+            <a:ext cx="2160000" cy="2160000"/>
+          </a:xfrm>
+          <a:prstGeom prst="rect">
+            <a:avLst/>
+          </a:prstGeom>
+          <a:noFill/>
+          <a:ln w="0">
+            <a:noFill/>
+          </a:ln>
+        </p:spPr>
+      </p:pic>
       <p:pic>
         <p:nvPicPr>
           <p:cNvPr id="18" name="" descr=""/>
@@ -2321,13 +2072,109 @@
           <p:nvPr/>
         </p:nvPicPr>
         <p:blipFill>
-          <a:blip r:embed="rId1"/>
+          <a:blip r:embed="rId2"/>
           <a:stretch/>
         </p:blipFill>
         <p:spPr>
           <a:xfrm>
-            <a:off x="3600000" y="2160000"/>
-            <a:ext cx="3058560" cy="1798560"/>
+            <a:off x="4140000" y="1172520"/>
+            <a:ext cx="1528920" cy="2160000"/>
+          </a:xfrm>
+          <a:prstGeom prst="rect">
+            <a:avLst/>
+          </a:prstGeom>
+          <a:noFill/>
+          <a:ln w="0">
+            <a:noFill/>
+          </a:ln>
+        </p:spPr>
+      </p:pic>
+      <p:pic>
+        <p:nvPicPr>
+          <p:cNvPr id="19" name="" descr=""/>
+          <p:cNvPicPr/>
+          <p:nvPr/>
+        </p:nvPicPr>
+        <p:blipFill>
+          <a:blip r:embed="rId3"/>
+          <a:stretch/>
+        </p:blipFill>
+        <p:spPr>
+          <a:xfrm>
+            <a:off x="7020000" y="1525680"/>
+            <a:ext cx="1714320" cy="1714320"/>
+          </a:xfrm>
+          <a:prstGeom prst="rect">
+            <a:avLst/>
+          </a:prstGeom>
+          <a:noFill/>
+          <a:ln w="0">
+            <a:noFill/>
+          </a:ln>
+        </p:spPr>
+      </p:pic>
+      <p:pic>
+        <p:nvPicPr>
+          <p:cNvPr id="20" name="" descr=""/>
+          <p:cNvPicPr/>
+          <p:nvPr/>
+        </p:nvPicPr>
+        <p:blipFill>
+          <a:blip r:embed="rId4"/>
+          <a:stretch/>
+        </p:blipFill>
+        <p:spPr>
+          <a:xfrm>
+            <a:off x="805680" y="3685680"/>
+            <a:ext cx="1714320" cy="1714320"/>
+          </a:xfrm>
+          <a:prstGeom prst="rect">
+            <a:avLst/>
+          </a:prstGeom>
+          <a:noFill/>
+          <a:ln w="0">
+            <a:noFill/>
+          </a:ln>
+        </p:spPr>
+      </p:pic>
+      <p:pic>
+        <p:nvPicPr>
+          <p:cNvPr id="21" name="" descr=""/>
+          <p:cNvPicPr/>
+          <p:nvPr/>
+        </p:nvPicPr>
+        <p:blipFill>
+          <a:blip r:embed="rId5"/>
+          <a:stretch/>
+        </p:blipFill>
+        <p:spPr>
+          <a:xfrm>
+            <a:off x="7020000" y="3685680"/>
+            <a:ext cx="1714320" cy="1714320"/>
+          </a:xfrm>
+          <a:prstGeom prst="rect">
+            <a:avLst/>
+          </a:prstGeom>
+          <a:noFill/>
+          <a:ln w="0">
+            <a:noFill/>
+          </a:ln>
+        </p:spPr>
+      </p:pic>
+      <p:pic>
+        <p:nvPicPr>
+          <p:cNvPr id="22" name="" descr=""/>
+          <p:cNvPicPr/>
+          <p:nvPr/>
+        </p:nvPicPr>
+        <p:blipFill>
+          <a:blip r:embed="rId6"/>
+          <a:stretch/>
+        </p:blipFill>
+        <p:spPr>
+          <a:xfrm>
+            <a:off x="4140000" y="3685680"/>
+            <a:ext cx="1714320" cy="1714320"/>
           </a:xfrm>
           <a:prstGeom prst="rect">
             <a:avLst/>
@@ -2370,7 +2217,7 @@
       </p:grpSpPr>
       <p:sp>
         <p:nvSpPr>
-          <p:cNvPr id="19" name="PlaceHolder 1"/>
+          <p:cNvPr id="23" name="PlaceHolder 1"/>
           <p:cNvSpPr>
             <a:spLocks noGrp="1"/>
           </p:cNvSpPr>
@@ -2380,8 +2227,8 @@
         </p:nvSpPr>
         <p:spPr>
           <a:xfrm>
-            <a:off x="504000" y="223920"/>
-            <a:ext cx="9069480" cy="948600"/>
+            <a:off x="504000" y="223200"/>
+            <a:ext cx="9068760" cy="949320"/>
           </a:xfrm>
           <a:prstGeom prst="rect">
             <a:avLst/>
@@ -2429,7 +2276,7 @@
       </p:sp>
       <p:pic>
         <p:nvPicPr>
-          <p:cNvPr id="20" name="" descr=""/>
+          <p:cNvPr id="24" name="" descr=""/>
           <p:cNvPicPr/>
           <p:nvPr/>
         </p:nvPicPr>
@@ -2440,7 +2287,7 @@
         <p:spPr>
           <a:xfrm>
             <a:off x="180000" y="1260000"/>
-            <a:ext cx="5759640" cy="3286080"/>
+            <a:ext cx="5758920" cy="3285360"/>
           </a:xfrm>
           <a:prstGeom prst="rect">
             <a:avLst/>
@@ -2453,7 +2300,7 @@
       </p:pic>
       <p:pic>
         <p:nvPicPr>
-          <p:cNvPr id="21" name="" descr=""/>
+          <p:cNvPr id="25" name="" descr=""/>
           <p:cNvPicPr/>
           <p:nvPr/>
         </p:nvPicPr>
@@ -2464,7 +2311,7 @@
         <p:spPr>
           <a:xfrm>
             <a:off x="4140000" y="1288080"/>
-            <a:ext cx="5759640" cy="3419640"/>
+            <a:ext cx="5758920" cy="3418920"/>
           </a:xfrm>
           <a:prstGeom prst="rect">
             <a:avLst/>
@@ -2507,7 +2354,7 @@
       </p:grpSpPr>
       <p:sp>
         <p:nvSpPr>
-          <p:cNvPr id="22" name="PlaceHolder 1"/>
+          <p:cNvPr id="26" name="PlaceHolder 1"/>
           <p:cNvSpPr>
             <a:spLocks noGrp="1"/>
           </p:cNvSpPr>
@@ -2517,8 +2364,8 @@
         </p:nvSpPr>
         <p:spPr>
           <a:xfrm>
-            <a:off x="504000" y="223920"/>
-            <a:ext cx="9069480" cy="948600"/>
+            <a:off x="504000" y="223200"/>
+            <a:ext cx="9068760" cy="949320"/>
           </a:xfrm>
           <a:prstGeom prst="rect">
             <a:avLst/>
@@ -2551,7 +2398,7 @@
                 <a:uFillTx/>
                 <a:latin typeface="Times New Roman"/>
               </a:rPr>
-              <a:t>Imeplentació</a:t>
+              <a:t>Implementació</a:t>
             </a:r>
             <a:endParaRPr b="0" lang="es-ES" sz="2400" strike="noStrike" u="none">
               <a:solidFill>
@@ -2564,277 +2411,54 @@
           </a:p>
         </p:txBody>
       </p:sp>
-      <p:sp>
-        <p:nvSpPr>
-          <p:cNvPr id="23" name="PlaceHolder 2"/>
-          <p:cNvSpPr>
-            <a:spLocks noGrp="1"/>
-          </p:cNvSpPr>
-          <p:nvPr>
-            <p:ph/>
-          </p:nvPr>
-        </p:nvSpPr>
-        <p:spPr>
-          <a:xfrm>
-            <a:off x="469800" y="1620000"/>
-            <a:ext cx="9069480" cy="3286080"/>
-          </a:xfrm>
-          <a:prstGeom prst="rect">
-            <a:avLst/>
-          </a:prstGeom>
-          <a:noFill/>
-          <a:ln w="0">
-            <a:noFill/>
-          </a:ln>
-        </p:spPr>
-        <p:txBody>
-          <a:bodyPr lIns="0" rIns="0" tIns="0" bIns="0" anchor="t">
-            <a:normAutofit lnSpcReduction="9999"/>
-          </a:bodyPr>
-          <a:p>
-            <a:pPr indent="0">
-              <a:lnSpc>
-                <a:spcPct val="100000"/>
-              </a:lnSpc>
-              <a:buNone/>
-              <a:tabLst>
-                <a:tab algn="l" pos="0"/>
-              </a:tabLst>
-            </a:pPr>
-            <a:endParaRPr b="0" lang="es-ES" sz="1800" strike="noStrike" u="none">
-              <a:solidFill>
-                <a:srgbClr val="000000"/>
-              </a:solidFill>
-              <a:effectLst/>
-              <a:uFillTx/>
-              <a:latin typeface="Arial"/>
-            </a:endParaRPr>
-          </a:p>
-          <a:p>
-            <a:pPr indent="0">
-              <a:lnSpc>
-                <a:spcPct val="100000"/>
-              </a:lnSpc>
-              <a:buNone/>
-              <a:tabLst>
-                <a:tab algn="l" pos="0"/>
-              </a:tabLst>
-            </a:pPr>
-            <a:endParaRPr b="0" lang="es-ES" sz="1800" strike="noStrike" u="none">
-              <a:solidFill>
-                <a:srgbClr val="000000"/>
-              </a:solidFill>
-              <a:effectLst/>
-              <a:uFillTx/>
-              <a:latin typeface="Arial"/>
-            </a:endParaRPr>
-          </a:p>
-          <a:p>
-            <a:pPr marL="432000" indent="-324000">
-              <a:lnSpc>
-                <a:spcPct val="100000"/>
-              </a:lnSpc>
-              <a:buClr>
-                <a:srgbClr val="000000"/>
-              </a:buClr>
-              <a:buFont typeface="OpenSymbol"/>
-              <a:buAutoNum type="arabicParenR"/>
-              <a:tabLst>
-                <a:tab algn="l" pos="0"/>
-              </a:tabLst>
-            </a:pPr>
-            <a:r>
-              <a:rPr b="0" lang="es-ES" sz="2200" strike="noStrike" u="none">
-                <a:solidFill>
-                  <a:srgbClr val="000000"/>
-                </a:solidFill>
-                <a:effectLst/>
-                <a:uFillTx/>
-                <a:latin typeface="Times New Roman"/>
-              </a:rPr>
-              <a:t>Estructura lloc web HTML (head, header, body, form, div, footer).</a:t>
-            </a:r>
-            <a:endParaRPr b="0" lang="es-ES" sz="2200" strike="noStrike" u="none">
-              <a:solidFill>
-                <a:srgbClr val="000000"/>
-              </a:solidFill>
-              <a:effectLst/>
-              <a:uFillTx/>
-              <a:latin typeface="Arial"/>
-            </a:endParaRPr>
-          </a:p>
-          <a:p>
-            <a:pPr marL="432000" indent="-324000">
-              <a:lnSpc>
-                <a:spcPct val="100000"/>
-              </a:lnSpc>
-              <a:buClr>
-                <a:srgbClr val="000000"/>
-              </a:buClr>
-              <a:buFont typeface="OpenSymbol"/>
-              <a:buAutoNum type="arabicParenR"/>
-              <a:tabLst>
-                <a:tab algn="l" pos="0"/>
-              </a:tabLst>
-            </a:pPr>
-            <a:r>
-              <a:rPr b="0" lang="es-ES" sz="2200" strike="noStrike" u="none">
-                <a:solidFill>
-                  <a:srgbClr val="000000"/>
-                </a:solidFill>
-                <a:effectLst/>
-                <a:uFillTx/>
-                <a:latin typeface="Times New Roman"/>
-              </a:rPr>
-              <a:t> Integració d’un logo fictici d’un ajuntament.</a:t>
-            </a:r>
-            <a:endParaRPr b="0" lang="es-ES" sz="2200" strike="noStrike" u="none">
-              <a:solidFill>
-                <a:srgbClr val="000000"/>
-              </a:solidFill>
-              <a:effectLst/>
-              <a:uFillTx/>
-              <a:latin typeface="Arial"/>
-            </a:endParaRPr>
-          </a:p>
-          <a:p>
-            <a:pPr marL="432000" indent="-324000">
-              <a:lnSpc>
-                <a:spcPct val="100000"/>
-              </a:lnSpc>
-              <a:buClr>
-                <a:srgbClr val="000000"/>
-              </a:buClr>
-              <a:buFont typeface="OpenSymbol"/>
-              <a:buAutoNum type="arabicParenR"/>
-              <a:tabLst>
-                <a:tab algn="l" pos="0"/>
-              </a:tabLst>
-            </a:pPr>
-            <a:r>
-              <a:rPr b="0" lang="es-ES" sz="2200" strike="noStrike" u="none">
-                <a:solidFill>
-                  <a:srgbClr val="000000"/>
-                </a:solidFill>
-                <a:effectLst/>
-                <a:uFillTx/>
-                <a:latin typeface="Times New Roman"/>
-              </a:rPr>
-              <a:t> Construcció del formulari (label, input type (text,number,date,time,tel,email,select)).</a:t>
-            </a:r>
-            <a:endParaRPr b="0" lang="es-ES" sz="2200" strike="noStrike" u="none">
-              <a:solidFill>
-                <a:srgbClr val="000000"/>
-              </a:solidFill>
-              <a:effectLst/>
-              <a:uFillTx/>
-              <a:latin typeface="Arial"/>
-            </a:endParaRPr>
-          </a:p>
-          <a:p>
-            <a:pPr marL="432000" indent="-324000">
-              <a:lnSpc>
-                <a:spcPct val="100000"/>
-              </a:lnSpc>
-              <a:buClr>
-                <a:srgbClr val="000000"/>
-              </a:buClr>
-              <a:buFont typeface="OpenSymbol"/>
-              <a:buAutoNum type="arabicParenR"/>
-              <a:tabLst>
-                <a:tab algn="l" pos="0"/>
-              </a:tabLst>
-            </a:pPr>
-            <a:r>
-              <a:rPr b="0" lang="es-ES" sz="2200" strike="noStrike" u="none">
-                <a:solidFill>
-                  <a:srgbClr val="000000"/>
-                </a:solidFill>
-                <a:effectLst/>
-                <a:uFillTx/>
-                <a:latin typeface="Times New Roman"/>
-              </a:rPr>
-              <a:t> Disseny CSS (ús de degradats, sombres, animacions, hover, escalat, disseny responsiu).</a:t>
-            </a:r>
-            <a:endParaRPr b="0" lang="es-ES" sz="2200" strike="noStrike" u="none">
-              <a:solidFill>
-                <a:srgbClr val="000000"/>
-              </a:solidFill>
-              <a:effectLst/>
-              <a:uFillTx/>
-              <a:latin typeface="Arial"/>
-            </a:endParaRPr>
-          </a:p>
-          <a:p>
-            <a:pPr marL="432000" indent="-324000">
-              <a:lnSpc>
-                <a:spcPct val="100000"/>
-              </a:lnSpc>
-              <a:buClr>
-                <a:srgbClr val="000000"/>
-              </a:buClr>
-              <a:buFont typeface="OpenSymbol"/>
-              <a:buAutoNum type="arabicParenR"/>
-              <a:tabLst>
-                <a:tab algn="l" pos="0"/>
-              </a:tabLst>
-            </a:pPr>
-            <a:r>
-              <a:rPr b="0" lang="es-ES" sz="2200" strike="noStrike" u="none">
-                <a:solidFill>
-                  <a:srgbClr val="000000"/>
-                </a:solidFill>
-                <a:effectLst/>
-                <a:uFillTx/>
-                <a:latin typeface="Times New Roman"/>
-              </a:rPr>
-              <a:t> Funcionalitat amb Javascript (validació dels camps del formulari).</a:t>
-            </a:r>
-            <a:endParaRPr b="0" lang="es-ES" sz="2200" strike="noStrike" u="none">
-              <a:solidFill>
-                <a:srgbClr val="000000"/>
-              </a:solidFill>
-              <a:effectLst/>
-              <a:uFillTx/>
-              <a:latin typeface="Arial"/>
-            </a:endParaRPr>
-          </a:p>
-          <a:p>
-            <a:pPr marL="432000" indent="-324000">
-              <a:lnSpc>
-                <a:spcPct val="100000"/>
-              </a:lnSpc>
-              <a:buClr>
-                <a:srgbClr val="000000"/>
-              </a:buClr>
-              <a:buFont typeface="OpenSymbol"/>
-              <a:buAutoNum type="arabicParenR"/>
-              <a:tabLst>
-                <a:tab algn="l" pos="0"/>
-              </a:tabLst>
-            </a:pPr>
-            <a:r>
-              <a:rPr b="0" lang="es-ES" sz="2200" strike="noStrike" u="none">
-                <a:solidFill>
-                  <a:srgbClr val="000000"/>
-                </a:solidFill>
-                <a:effectLst/>
-                <a:uFillTx/>
-                <a:latin typeface="Times New Roman"/>
-              </a:rPr>
-              <a:t> Elements complementaris (icones de xarxes socials, avis legal, polítiques de privacitat i cookies al footer)</a:t>
-            </a:r>
-            <a:endParaRPr b="0" lang="es-ES" sz="2200" strike="noStrike" u="none">
-              <a:solidFill>
-                <a:srgbClr val="000000"/>
-              </a:solidFill>
-              <a:effectLst/>
-              <a:uFillTx/>
-              <a:latin typeface="Arial"/>
-            </a:endParaRPr>
-          </a:p>
-        </p:txBody>
-      </p:sp>
+      <p:pic>
+        <p:nvPicPr>
+          <p:cNvPr id="27" name="" descr=""/>
+          <p:cNvPicPr/>
+          <p:nvPr/>
+        </p:nvPicPr>
+        <p:blipFill>
+          <a:blip r:embed="rId1"/>
+          <a:stretch/>
+        </p:blipFill>
+        <p:spPr>
+          <a:xfrm>
+            <a:off x="5225400" y="948960"/>
+            <a:ext cx="4500000" cy="4355640"/>
+          </a:xfrm>
+          <a:prstGeom prst="rect">
+            <a:avLst/>
+          </a:prstGeom>
+          <a:noFill/>
+          <a:ln w="0">
+            <a:noFill/>
+          </a:ln>
+        </p:spPr>
+      </p:pic>
+      <p:pic>
+        <p:nvPicPr>
+          <p:cNvPr id="28" name="" descr=""/>
+          <p:cNvPicPr/>
+          <p:nvPr/>
+        </p:nvPicPr>
+        <p:blipFill>
+          <a:blip r:embed="rId2"/>
+          <a:stretch/>
+        </p:blipFill>
+        <p:spPr>
+          <a:xfrm>
+            <a:off x="295920" y="1080000"/>
+            <a:ext cx="4924080" cy="4000320"/>
+          </a:xfrm>
+          <a:prstGeom prst="rect">
+            <a:avLst/>
+          </a:prstGeom>
+          <a:noFill/>
+          <a:ln w="0">
+            <a:noFill/>
+          </a:ln>
+        </p:spPr>
+      </p:pic>
     </p:spTree>
   </p:cSld>
   <mc:AlternateContent>
@@ -2867,7 +2491,7 @@
       </p:grpSpPr>
       <p:sp>
         <p:nvSpPr>
-          <p:cNvPr id="24" name="PlaceHolder 1"/>
+          <p:cNvPr id="29" name="PlaceHolder 1"/>
           <p:cNvSpPr>
             <a:spLocks noGrp="1"/>
           </p:cNvSpPr>
@@ -2877,8 +2501,8 @@
         </p:nvSpPr>
         <p:spPr>
           <a:xfrm>
-            <a:off x="504000" y="223920"/>
-            <a:ext cx="9069480" cy="948600"/>
+            <a:off x="504000" y="223200"/>
+            <a:ext cx="9068760" cy="949320"/>
           </a:xfrm>
           <a:prstGeom prst="rect">
             <a:avLst/>
@@ -2926,7 +2550,7 @@
       </p:sp>
       <p:sp>
         <p:nvSpPr>
-          <p:cNvPr id="25" name="PlaceHolder 2"/>
+          <p:cNvPr id="30" name="PlaceHolder 2"/>
           <p:cNvSpPr>
             <a:spLocks noGrp="1"/>
           </p:cNvSpPr>
@@ -2937,7 +2561,7 @@
         <p:spPr>
           <a:xfrm>
             <a:off x="504000" y="1326600"/>
-            <a:ext cx="9069480" cy="3286080"/>
+            <a:ext cx="9068760" cy="3285360"/>
           </a:xfrm>
           <a:prstGeom prst="rect">
             <a:avLst/>
@@ -3085,7 +2709,7 @@
       </p:grpSpPr>
       <p:sp>
         <p:nvSpPr>
-          <p:cNvPr id="26" name="PlaceHolder 1"/>
+          <p:cNvPr id="31" name="PlaceHolder 1"/>
           <p:cNvSpPr>
             <a:spLocks noGrp="1"/>
           </p:cNvSpPr>
@@ -3095,8 +2719,8 @@
         </p:nvSpPr>
         <p:spPr>
           <a:xfrm>
-            <a:off x="504000" y="223920"/>
-            <a:ext cx="9069480" cy="948600"/>
+            <a:off x="504000" y="223200"/>
+            <a:ext cx="9068760" cy="949320"/>
           </a:xfrm>
           <a:prstGeom prst="rect">
             <a:avLst/>
@@ -3144,7 +2768,7 @@
       </p:sp>
       <p:pic>
         <p:nvPicPr>
-          <p:cNvPr id="27" name="" descr=""/>
+          <p:cNvPr id="32" name="" descr=""/>
           <p:cNvPicPr/>
           <p:nvPr/>
         </p:nvPicPr>
@@ -3155,7 +2779,7 @@
         <p:spPr>
           <a:xfrm>
             <a:off x="3580200" y="1620360"/>
-            <a:ext cx="2898360" cy="2698560"/>
+            <a:ext cx="2897640" cy="2697840"/>
           </a:xfrm>
           <a:prstGeom prst="rect">
             <a:avLst/>
@@ -3198,7 +2822,7 @@
       </p:grpSpPr>
       <p:sp>
         <p:nvSpPr>
-          <p:cNvPr id="28" name="PlaceHolder 1"/>
+          <p:cNvPr id="33" name="PlaceHolder 1"/>
           <p:cNvSpPr>
             <a:spLocks noGrp="1"/>
           </p:cNvSpPr>
@@ -3208,8 +2832,8 @@
         </p:nvSpPr>
         <p:spPr>
           <a:xfrm>
-            <a:off x="504000" y="223920"/>
-            <a:ext cx="9069480" cy="948600"/>
+            <a:off x="504000" y="223200"/>
+            <a:ext cx="9068760" cy="949320"/>
           </a:xfrm>
           <a:prstGeom prst="rect">
             <a:avLst/>
@@ -3257,7 +2881,7 @@
       </p:sp>
       <p:pic>
         <p:nvPicPr>
-          <p:cNvPr id="29" name="" descr=""/>
+          <p:cNvPr id="34" name="" descr=""/>
           <p:cNvPicPr/>
           <p:nvPr/>
         </p:nvPicPr>
@@ -3268,7 +2892,7 @@
         <p:spPr>
           <a:xfrm>
             <a:off x="2520000" y="1392480"/>
-            <a:ext cx="4832280" cy="3286080"/>
+            <a:ext cx="4831560" cy="3285360"/>
           </a:xfrm>
           <a:prstGeom prst="rect">
             <a:avLst/>
